--- a/Slides/Thomas/Get hungry for RxUI.pptx
+++ b/Slides/Thomas/Get hungry for RxUI.pptx
@@ -224,7 +224,7 @@
           <a:p>
             <a:fld id="{D25987EB-3404-4726-99FC-333036A167CA}" type="datetimeFigureOut">
               <a:rPr lang="de-DE" smtClean="0"/>
-              <a:t>05.10.2017</a:t>
+              <a:t>09.10.2017</a:t>
             </a:fld>
             <a:endParaRPr lang="de-DE"/>
           </a:p>
@@ -389,7 +389,7 @@
           <a:p>
             <a:fld id="{D51AC684-48FC-47D1-BF08-A3B4019960CC}" type="datetimeFigureOut">
               <a:rPr lang="de-DE" smtClean="0"/>
-              <a:t>05.10.2017</a:t>
+              <a:t>09.10.2017</a:t>
             </a:fld>
             <a:endParaRPr lang="de-DE"/>
           </a:p>
@@ -1294,7 +1294,6 @@
               <a:rPr lang="de-DE" baseline="0" dirty="0" smtClean="0"/>
               <a:t> I </a:t>
             </a:r>
-            <a:endParaRPr lang="de-DE" baseline="0" dirty="0" smtClean="0"/>
           </a:p>
           <a:p>
             <a:r>
@@ -2174,11 +2173,7 @@
             </a:r>
             <a:r>
               <a:rPr lang="de-DE" dirty="0" smtClean="0"/>
-              <a:t> </a:t>
-            </a:r>
-            <a:r>
-              <a:rPr lang="de-DE" dirty="0" smtClean="0"/>
-              <a:t>UI </a:t>
+              <a:t> UI </a:t>
             </a:r>
             <a:r>
               <a:rPr lang="de-DE" dirty="0" err="1" smtClean="0"/>
@@ -3836,7 +3831,7 @@
             <a:fld id="{5586B75A-687E-405C-8A0B-8D00578BA2C3}" type="datetimeFigureOut">
               <a:rPr lang="en-US" dirty="0"/>
               <a:pPr/>
-              <a:t>10/5/2017</a:t>
+              <a:t>10/9/2017</a:t>
             </a:fld>
             <a:endParaRPr lang="en-US" dirty="0"/>
           </a:p>
@@ -4022,7 +4017,7 @@
           <a:p>
             <a:fld id="{5F4E5243-F52A-4D37-9694-EB26C6C31910}" type="datetimeFigureOut">
               <a:rPr lang="en-US" dirty="0"/>
-              <a:t>10/5/2017</a:t>
+              <a:t>10/9/2017</a:t>
             </a:fld>
             <a:endParaRPr lang="en-US" dirty="0"/>
           </a:p>
@@ -4197,7 +4192,7 @@
           <a:p>
             <a:fld id="{3A77B6E1-634A-48DC-9E8B-D894023267EF}" type="datetimeFigureOut">
               <a:rPr lang="en-US" dirty="0"/>
-              <a:t>10/5/2017</a:t>
+              <a:t>10/9/2017</a:t>
             </a:fld>
             <a:endParaRPr lang="en-US" dirty="0"/>
           </a:p>
@@ -4372,7 +4367,7 @@
           <a:p>
             <a:fld id="{7B2D3E9E-A95C-48F2-B4BF-A71542E0BE9A}" type="datetimeFigureOut">
               <a:rPr lang="en-US" dirty="0"/>
-              <a:t>10/5/2017</a:t>
+              <a:t>10/9/2017</a:t>
             </a:fld>
             <a:endParaRPr lang="en-US" dirty="0"/>
           </a:p>
@@ -4624,7 +4619,7 @@
             <a:fld id="{5586B75A-687E-405C-8A0B-8D00578BA2C3}" type="datetimeFigureOut">
               <a:rPr lang="en-US" dirty="0"/>
               <a:pPr/>
-              <a:t>10/5/2017</a:t>
+              <a:t>10/9/2017</a:t>
             </a:fld>
             <a:endParaRPr lang="en-US" dirty="0"/>
           </a:p>
@@ -4908,7 +4903,7 @@
           <a:p>
             <a:fld id="{F12952B5-7A2F-4CC8-B7CE-9234E21C2837}" type="datetimeFigureOut">
               <a:rPr lang="en-US" dirty="0"/>
-              <a:t>10/5/2017</a:t>
+              <a:t>10/9/2017</a:t>
             </a:fld>
             <a:endParaRPr lang="en-US" dirty="0"/>
           </a:p>
@@ -5341,7 +5336,7 @@
           <a:p>
             <a:fld id="{CE1DA07A-9201-4B4B-BAF2-015AFA30F520}" type="datetimeFigureOut">
               <a:rPr lang="en-US" dirty="0"/>
-              <a:t>10/5/2017</a:t>
+              <a:t>10/9/2017</a:t>
             </a:fld>
             <a:endParaRPr lang="en-US" dirty="0"/>
           </a:p>
@@ -5459,7 +5454,7 @@
           <a:p>
             <a:fld id="{73D7E00A-486F-4252-8B1D-E32645521F49}" type="datetimeFigureOut">
               <a:rPr lang="en-US" dirty="0"/>
-              <a:t>10/5/2017</a:t>
+              <a:t>10/9/2017</a:t>
             </a:fld>
             <a:endParaRPr lang="en-US" dirty="0"/>
           </a:p>
@@ -5549,7 +5544,7 @@
           <a:p>
             <a:fld id="{8DDF5F92-E675-4B36-9A60-69A962A68675}" type="datetimeFigureOut">
               <a:rPr lang="en-US" dirty="0"/>
-              <a:t>10/5/2017</a:t>
+              <a:t>10/9/2017</a:t>
             </a:fld>
             <a:endParaRPr lang="en-US" dirty="0"/>
           </a:p>
@@ -5900,7 +5895,7 @@
           <a:p>
             <a:fld id="{AF6E2C9B-5FA2-460D-9BE7-B0812FC2A6FF}" type="datetimeFigureOut">
               <a:rPr lang="en-US" dirty="0"/>
-              <a:t>10/5/2017</a:t>
+              <a:t>10/9/2017</a:t>
             </a:fld>
             <a:endParaRPr lang="en-US" dirty="0"/>
           </a:p>
@@ -6213,7 +6208,7 @@
             <a:fld id="{5586B75A-687E-405C-8A0B-8D00578BA2C3}" type="datetimeFigureOut">
               <a:rPr lang="en-US" dirty="0"/>
               <a:pPr/>
-              <a:t>10/5/2017</a:t>
+              <a:t>10/9/2017</a:t>
             </a:fld>
             <a:endParaRPr lang="en-US" dirty="0"/>
           </a:p>
@@ -6443,7 +6438,7 @@
             <a:fld id="{5586B75A-687E-405C-8A0B-8D00578BA2C3}" type="datetimeFigureOut">
               <a:rPr lang="en-US" dirty="0"/>
               <a:pPr/>
-              <a:t>10/5/2017</a:t>
+              <a:t>10/9/2017</a:t>
             </a:fld>
             <a:endParaRPr lang="en-US" dirty="0"/>
           </a:p>
@@ -6999,6 +6994,53 @@
           </a:extLst>
         </p:spPr>
       </p:pic>
+      <p:sp>
+        <p:nvSpPr>
+          <p:cNvPr id="4" name="Textfeld 3"/>
+          <p:cNvSpPr txBox="1"/>
+          <p:nvPr/>
+        </p:nvSpPr>
+        <p:spPr>
+          <a:xfrm>
+            <a:off x="8406581" y="5437239"/>
+            <a:ext cx="3539613" cy="923330"/>
+          </a:xfrm>
+          <a:prstGeom prst="rect">
+            <a:avLst/>
+          </a:prstGeom>
+          <a:noFill/>
+        </p:spPr>
+        <p:txBody>
+          <a:bodyPr wrap="square" rtlCol="0">
+            <a:spAutoFit/>
+          </a:bodyPr>
+          <a:lstStyle/>
+          <a:p>
+            <a:r>
+              <a:rPr lang="de-DE" dirty="0" smtClean="0"/>
+              <a:t>Thomas Burkhart</a:t>
+            </a:r>
+          </a:p>
+          <a:p>
+            <a:r>
+              <a:rPr lang="de-DE" dirty="0" smtClean="0"/>
+              <a:t>@</a:t>
+            </a:r>
+            <a:r>
+              <a:rPr lang="de-DE" dirty="0" err="1" smtClean="0"/>
+              <a:t>thomasburkhartb</a:t>
+            </a:r>
+            <a:endParaRPr lang="de-DE" dirty="0" smtClean="0"/>
+          </a:p>
+          <a:p>
+            <a:r>
+              <a:rPr lang="de-DE" dirty="0" smtClean="0"/>
+              <a:t>blog.burkharts.net</a:t>
+            </a:r>
+            <a:endParaRPr lang="de-DE" dirty="0"/>
+          </a:p>
+        </p:txBody>
+      </p:sp>
     </p:spTree>
     <p:extLst>
       <p:ext uri="{BB962C8B-B14F-4D97-AF65-F5344CB8AC3E}">
@@ -10130,11 +10172,7 @@
             </a:r>
             <a:r>
               <a:rPr lang="de-DE" dirty="0" smtClean="0"/>
-              <a:t> </a:t>
-            </a:r>
-            <a:r>
-              <a:rPr lang="de-DE" dirty="0" smtClean="0"/>
-              <a:t>on </a:t>
+              <a:t> on </a:t>
             </a:r>
             <a:r>
               <a:rPr lang="de-DE" dirty="0" err="1" smtClean="0"/>
@@ -10588,7 +10626,6 @@
               <a:rPr lang="de-DE" dirty="0" smtClean="0"/>
               <a:t>()</a:t>
             </a:r>
-            <a:endParaRPr lang="de-DE" dirty="0" smtClean="0"/>
           </a:p>
           <a:p>
             <a:pPr lvl="1">
@@ -12903,8 +12940,57 @@
               <a:rPr lang="de-DE" dirty="0" err="1" smtClean="0"/>
               <a:t>Slack</a:t>
             </a:r>
-            <a:r>
-              <a:rPr lang="de-DE" dirty="0" smtClean="0"/>
+            <a:endParaRPr lang="de-DE" dirty="0" smtClean="0"/>
+          </a:p>
+          <a:p>
+            <a:endParaRPr lang="de-DE" dirty="0"/>
+          </a:p>
+          <a:p>
+            <a:r>
+              <a:rPr lang="de-DE" dirty="0" smtClean="0"/>
+              <a:t>Source </a:t>
+            </a:r>
+            <a:r>
+              <a:rPr lang="de-DE" dirty="0" err="1" smtClean="0"/>
+              <a:t>code</a:t>
+            </a:r>
+            <a:r>
+              <a:rPr lang="de-DE" dirty="0" smtClean="0"/>
+              <a:t> </a:t>
+            </a:r>
+            <a:r>
+              <a:rPr lang="de-DE" dirty="0" err="1" smtClean="0"/>
+              <a:t>of</a:t>
+            </a:r>
+            <a:r>
+              <a:rPr lang="de-DE" dirty="0" smtClean="0"/>
+              <a:t> Demo:</a:t>
+            </a:r>
+          </a:p>
+          <a:p>
+            <a:r>
+              <a:rPr lang="de-DE">
+                <a:hlinkClick r:id="rId5"/>
+              </a:rPr>
+              <a:t>https</a:t>
+            </a:r>
+            <a:r>
+              <a:rPr lang="de-DE">
+                <a:hlinkClick r:id="rId5"/>
+              </a:rPr>
+              <a:t>://</a:t>
+            </a:r>
+            <a:r>
+              <a:rPr lang="de-DE" smtClean="0">
+                <a:hlinkClick r:id="rId5"/>
+              </a:rPr>
+              <a:t>github.com/escamoteur/ExpertDayDemo</a:t>
+            </a:r>
+            <a:endParaRPr lang="de-DE" smtClean="0"/>
+          </a:p>
+          <a:p>
+            <a:r>
+              <a:rPr lang="de-DE" smtClean="0"/>
               <a:t> </a:t>
             </a:r>
             <a:endParaRPr lang="de-DE" dirty="0"/>
